--- a/React/Week1 React/Presentations/2 Props.pptx
+++ b/React/Week1 React/Presentations/2 Props.pptx
@@ -33,34 +33,27 @@
   <p:notesSz cx="6645275" cy="9775825"/>
   <p:embeddedFontLst>
     <p:embeddedFont>
-      <p:font typeface="Calibri" panose="020F0502020204030204" pitchFamily="34" charset="0"/>
+      <p:font typeface="Consolas" panose="020B0609020204030204" pitchFamily="49" charset="0"/>
       <p:regular r:id="rId24"/>
       <p:bold r:id="rId25"/>
       <p:italic r:id="rId26"/>
       <p:boldItalic r:id="rId27"/>
     </p:embeddedFont>
     <p:embeddedFont>
-      <p:font typeface="Consolas" panose="020B0609020204030204" pitchFamily="49" charset="0"/>
+      <p:font typeface="Montserrat" panose="00000500000000000000" pitchFamily="2" charset="0"/>
       <p:regular r:id="rId28"/>
       <p:bold r:id="rId29"/>
       <p:italic r:id="rId30"/>
       <p:boldItalic r:id="rId31"/>
     </p:embeddedFont>
     <p:embeddedFont>
-      <p:font typeface="Montserrat" panose="00000500000000000000" pitchFamily="2" charset="0"/>
-      <p:regular r:id="rId32"/>
-      <p:bold r:id="rId33"/>
-      <p:italic r:id="rId34"/>
-      <p:boldItalic r:id="rId35"/>
-    </p:embeddedFont>
-    <p:embeddedFont>
       <p:font typeface="Montserrat Black" panose="00000A00000000000000" pitchFamily="2" charset="0"/>
-      <p:bold r:id="rId36"/>
-      <p:boldItalic r:id="rId37"/>
+      <p:bold r:id="rId32"/>
+      <p:boldItalic r:id="rId33"/>
     </p:embeddedFont>
   </p:embeddedFontLst>
   <p:custDataLst>
-    <p:tags r:id="rId38"/>
+    <p:tags r:id="rId34"/>
   </p:custDataLst>
   <p:defaultTextStyle>
     <a:defPPr>
@@ -280,7 +273,7 @@
           <a:p>
             <a:fld id="{86D088FE-3E68-47FE-8BA4-634CD34BABBC}" type="datetimeFigureOut">
               <a:rPr lang="en-GB" smtClean="0"/>
-              <a:t>24/10/2023</a:t>
+              <a:t>19/11/2024</a:t>
             </a:fld>
             <a:endParaRPr lang="en-GB"/>
           </a:p>
@@ -450,7 +443,7 @@
             <a:fld id="{1D6B66C6-1E92-0F4E-A300-9D4ED1F0C23F}" type="datetimeFigureOut">
               <a:rPr lang="en-GB" smtClean="0"/>
               <a:pPr/>
-              <a:t>24/10/2023</a:t>
+              <a:t>19/11/2024</a:t>
             </a:fld>
             <a:endParaRPr lang="en-GB"/>
           </a:p>
@@ -28429,10 +28422,10 @@
       </p:sp>
       <p:pic>
         <p:nvPicPr>
-          <p:cNvPr id="4" name="Picture 3">
+          <p:cNvPr id="7" name="Picture 6">
             <a:extLst>
               <a:ext uri="{FF2B5EF4-FFF2-40B4-BE49-F238E27FC236}">
-                <a16:creationId xmlns:a16="http://schemas.microsoft.com/office/drawing/2014/main" id="{47215C08-8AB1-795F-043A-4A44162023C5}"/>
+                <a16:creationId xmlns:a16="http://schemas.microsoft.com/office/drawing/2014/main" id="{8F65DD9D-A193-0FE0-BE11-E1DDF550F067}"/>
               </a:ext>
             </a:extLst>
           </p:cNvPr>
@@ -28449,8 +28442,8 @@
         </p:blipFill>
         <p:spPr>
           <a:xfrm>
-            <a:off x="3123097" y="1738579"/>
-            <a:ext cx="8526065" cy="4153480"/>
+            <a:off x="3710316" y="1626394"/>
+            <a:ext cx="7766982" cy="2986659"/>
           </a:xfrm>
           <a:prstGeom prst="rect">
             <a:avLst/>
@@ -31285,17 +31278,6 @@
 </file>
 
 <file path=customXml/item1.xml><?xml version="1.0" encoding="utf-8"?>
-<p:properties xmlns:p="http://schemas.microsoft.com/office/2006/metadata/properties" xmlns:xsi="http://www.w3.org/2001/XMLSchema-instance" xmlns:pc="http://schemas.microsoft.com/office/infopath/2007/PartnerControls">
-  <documentManagement>
-    <TaxCatchAll xmlns="bd9f7b81-fce9-4f5e-8ca2-b74234fba64d" xsi:nil="true"/>
-    <lcf76f155ced4ddcb4097134ff3c332f xmlns="201905e2-e348-4925-9bf9-859ff66d3731">
-      <Terms xmlns="http://schemas.microsoft.com/office/infopath/2007/PartnerControls"/>
-    </lcf76f155ced4ddcb4097134ff3c332f>
-  </documentManagement>
-</p:properties>
-</file>
-
-<file path=customXml/item2.xml><?xml version="1.0" encoding="utf-8"?>
 <ct:contentTypeSchema xmlns:ct="http://schemas.microsoft.com/office/2006/metadata/contentType" xmlns:ma="http://schemas.microsoft.com/office/2006/metadata/properties/metaAttributes" ct:_="" ma:_="" ma:contentTypeName="Document" ma:contentTypeID="0x010100F3467C10D74B2B4AB009A8AE58957B70" ma:contentTypeVersion="11" ma:contentTypeDescription="Create a new document." ma:contentTypeScope="" ma:versionID="5a954220bcc81bde48470b97c8d8107f">
   <xsd:schema xmlns:xsd="http://www.w3.org/2001/XMLSchema" xmlns:xs="http://www.w3.org/2001/XMLSchema" xmlns:p="http://schemas.microsoft.com/office/2006/metadata/properties" xmlns:ns2="201905e2-e348-4925-9bf9-859ff66d3731" xmlns:ns3="bd9f7b81-fce9-4f5e-8ca2-b74234fba64d" targetNamespace="http://schemas.microsoft.com/office/2006/metadata/properties" ma:root="true" ma:fieldsID="426082142d469ee0a66d8c0ced7a111b" ns2:_="" ns3:_="">
     <xsd:import namespace="201905e2-e348-4925-9bf9-859ff66d3731"/>
@@ -31506,6 +31488,17 @@
 </ct:contentTypeSchema>
 </file>
 
+<file path=customXml/item2.xml><?xml version="1.0" encoding="utf-8"?>
+<p:properties xmlns:p="http://schemas.microsoft.com/office/2006/metadata/properties" xmlns:xsi="http://www.w3.org/2001/XMLSchema-instance" xmlns:pc="http://schemas.microsoft.com/office/infopath/2007/PartnerControls">
+  <documentManagement>
+    <TaxCatchAll xmlns="bd9f7b81-fce9-4f5e-8ca2-b74234fba64d" xsi:nil="true"/>
+    <lcf76f155ced4ddcb4097134ff3c332f xmlns="201905e2-e348-4925-9bf9-859ff66d3731">
+      <Terms xmlns="http://schemas.microsoft.com/office/infopath/2007/PartnerControls"/>
+    </lcf76f155ced4ddcb4097134ff3c332f>
+  </documentManagement>
+</p:properties>
+</file>
+
 <file path=customXml/item3.xml><?xml version="1.0" encoding="utf-8"?>
 <?mso-contentType ?>
 <FormTemplates xmlns="http://schemas.microsoft.com/sharepoint/v3/contenttype/forms">
@@ -31516,23 +31509,6 @@
 </file>
 
 <file path=customXml/itemProps1.xml><?xml version="1.0" encoding="utf-8"?>
-<ds:datastoreItem xmlns:ds="http://schemas.openxmlformats.org/officeDocument/2006/customXml" ds:itemID="{43393610-D53F-4A84-8D42-34EBCB008255}">
-  <ds:schemaRefs>
-    <ds:schemaRef ds:uri="http://schemas.microsoft.com/office/2006/metadata/properties"/>
-    <ds:schemaRef ds:uri="http://purl.org/dc/terms/"/>
-    <ds:schemaRef ds:uri="bd9f7b81-fce9-4f5e-8ca2-b74234fba64d"/>
-    <ds:schemaRef ds:uri="201905e2-e348-4925-9bf9-859ff66d3731"/>
-    <ds:schemaRef ds:uri="http://schemas.microsoft.com/office/2006/documentManagement/types"/>
-    <ds:schemaRef ds:uri="http://www.w3.org/XML/1998/namespace"/>
-    <ds:schemaRef ds:uri="http://schemas.microsoft.com/office/infopath/2007/PartnerControls"/>
-    <ds:schemaRef ds:uri="http://schemas.openxmlformats.org/package/2006/metadata/core-properties"/>
-    <ds:schemaRef ds:uri="http://purl.org/dc/dcmitype/"/>
-    <ds:schemaRef ds:uri="http://purl.org/dc/elements/1.1/"/>
-  </ds:schemaRefs>
-</ds:datastoreItem>
-</file>
-
-<file path=customXml/itemProps2.xml><?xml version="1.0" encoding="utf-8"?>
 <ds:datastoreItem xmlns:ds="http://schemas.openxmlformats.org/officeDocument/2006/customXml" ds:itemID="{31480688-5C47-4973-B323-709A11A8DD25}">
   <ds:schemaRefs>
     <ds:schemaRef ds:uri="http://schemas.microsoft.com/office/2006/metadata/contentType"/>
@@ -31551,6 +31527,23 @@
 </ds:datastoreItem>
 </file>
 
+<file path=customXml/itemProps2.xml><?xml version="1.0" encoding="utf-8"?>
+<ds:datastoreItem xmlns:ds="http://schemas.openxmlformats.org/officeDocument/2006/customXml" ds:itemID="{43393610-D53F-4A84-8D42-34EBCB008255}">
+  <ds:schemaRefs>
+    <ds:schemaRef ds:uri="http://schemas.microsoft.com/office/2006/metadata/properties"/>
+    <ds:schemaRef ds:uri="http://purl.org/dc/terms/"/>
+    <ds:schemaRef ds:uri="bd9f7b81-fce9-4f5e-8ca2-b74234fba64d"/>
+    <ds:schemaRef ds:uri="201905e2-e348-4925-9bf9-859ff66d3731"/>
+    <ds:schemaRef ds:uri="http://schemas.microsoft.com/office/2006/documentManagement/types"/>
+    <ds:schemaRef ds:uri="http://www.w3.org/XML/1998/namespace"/>
+    <ds:schemaRef ds:uri="http://schemas.microsoft.com/office/infopath/2007/PartnerControls"/>
+    <ds:schemaRef ds:uri="http://schemas.openxmlformats.org/package/2006/metadata/core-properties"/>
+    <ds:schemaRef ds:uri="http://purl.org/dc/dcmitype/"/>
+    <ds:schemaRef ds:uri="http://purl.org/dc/elements/1.1/"/>
+  </ds:schemaRefs>
+</ds:datastoreItem>
+</file>
+
 <file path=customXml/itemProps3.xml><?xml version="1.0" encoding="utf-8"?>
 <ds:datastoreItem xmlns:ds="http://schemas.openxmlformats.org/officeDocument/2006/customXml" ds:itemID="{25B3E867-B45B-49B9-9F16-ACF80FBBDAA6}">
   <ds:schemaRefs>

--- a/React/Week1 React/Presentations/2 Props.pptx
+++ b/React/Week1 React/Presentations/2 Props.pptx
@@ -28937,10 +28937,10 @@
       </p:sp>
       <p:pic>
         <p:nvPicPr>
-          <p:cNvPr id="7" name="Picture 6">
+          <p:cNvPr id="4" name="Picture 3">
             <a:extLst>
               <a:ext uri="{FF2B5EF4-FFF2-40B4-BE49-F238E27FC236}">
-                <a16:creationId xmlns:a16="http://schemas.microsoft.com/office/drawing/2014/main" id="{41766AD7-87F3-CC47-F5C5-C55793FA5055}"/>
+                <a16:creationId xmlns:a16="http://schemas.microsoft.com/office/drawing/2014/main" id="{35AF7F21-D867-217E-DE89-24857E0F5281}"/>
               </a:ext>
             </a:extLst>
           </p:cNvPr>
@@ -28957,8 +28957,8 @@
         </p:blipFill>
         <p:spPr>
           <a:xfrm>
-            <a:off x="3342203" y="1321128"/>
-            <a:ext cx="8306959" cy="5239481"/>
+            <a:off x="2071307" y="1924646"/>
+            <a:ext cx="9735909" cy="3867690"/>
           </a:xfrm>
           <a:prstGeom prst="rect">
             <a:avLst/>
@@ -31278,6 +31278,17 @@
 </file>
 
 <file path=customXml/item1.xml><?xml version="1.0" encoding="utf-8"?>
+<p:properties xmlns:p="http://schemas.microsoft.com/office/2006/metadata/properties" xmlns:xsi="http://www.w3.org/2001/XMLSchema-instance" xmlns:pc="http://schemas.microsoft.com/office/infopath/2007/PartnerControls">
+  <documentManagement>
+    <TaxCatchAll xmlns="bd9f7b81-fce9-4f5e-8ca2-b74234fba64d" xsi:nil="true"/>
+    <lcf76f155ced4ddcb4097134ff3c332f xmlns="201905e2-e348-4925-9bf9-859ff66d3731">
+      <Terms xmlns="http://schemas.microsoft.com/office/infopath/2007/PartnerControls"/>
+    </lcf76f155ced4ddcb4097134ff3c332f>
+  </documentManagement>
+</p:properties>
+</file>
+
+<file path=customXml/item2.xml><?xml version="1.0" encoding="utf-8"?>
 <ct:contentTypeSchema xmlns:ct="http://schemas.microsoft.com/office/2006/metadata/contentType" xmlns:ma="http://schemas.microsoft.com/office/2006/metadata/properties/metaAttributes" ct:_="" ma:_="" ma:contentTypeName="Document" ma:contentTypeID="0x010100F3467C10D74B2B4AB009A8AE58957B70" ma:contentTypeVersion="11" ma:contentTypeDescription="Create a new document." ma:contentTypeScope="" ma:versionID="5a954220bcc81bde48470b97c8d8107f">
   <xsd:schema xmlns:xsd="http://www.w3.org/2001/XMLSchema" xmlns:xs="http://www.w3.org/2001/XMLSchema" xmlns:p="http://schemas.microsoft.com/office/2006/metadata/properties" xmlns:ns2="201905e2-e348-4925-9bf9-859ff66d3731" xmlns:ns3="bd9f7b81-fce9-4f5e-8ca2-b74234fba64d" targetNamespace="http://schemas.microsoft.com/office/2006/metadata/properties" ma:root="true" ma:fieldsID="426082142d469ee0a66d8c0ced7a111b" ns2:_="" ns3:_="">
     <xsd:import namespace="201905e2-e348-4925-9bf9-859ff66d3731"/>
@@ -31488,17 +31499,6 @@
 </ct:contentTypeSchema>
 </file>
 
-<file path=customXml/item2.xml><?xml version="1.0" encoding="utf-8"?>
-<p:properties xmlns:p="http://schemas.microsoft.com/office/2006/metadata/properties" xmlns:xsi="http://www.w3.org/2001/XMLSchema-instance" xmlns:pc="http://schemas.microsoft.com/office/infopath/2007/PartnerControls">
-  <documentManagement>
-    <TaxCatchAll xmlns="bd9f7b81-fce9-4f5e-8ca2-b74234fba64d" xsi:nil="true"/>
-    <lcf76f155ced4ddcb4097134ff3c332f xmlns="201905e2-e348-4925-9bf9-859ff66d3731">
-      <Terms xmlns="http://schemas.microsoft.com/office/infopath/2007/PartnerControls"/>
-    </lcf76f155ced4ddcb4097134ff3c332f>
-  </documentManagement>
-</p:properties>
-</file>
-
 <file path=customXml/item3.xml><?xml version="1.0" encoding="utf-8"?>
 <?mso-contentType ?>
 <FormTemplates xmlns="http://schemas.microsoft.com/sharepoint/v3/contenttype/forms">
@@ -31509,6 +31509,23 @@
 </file>
 
 <file path=customXml/itemProps1.xml><?xml version="1.0" encoding="utf-8"?>
+<ds:datastoreItem xmlns:ds="http://schemas.openxmlformats.org/officeDocument/2006/customXml" ds:itemID="{43393610-D53F-4A84-8D42-34EBCB008255}">
+  <ds:schemaRefs>
+    <ds:schemaRef ds:uri="http://schemas.microsoft.com/office/2006/metadata/properties"/>
+    <ds:schemaRef ds:uri="http://purl.org/dc/terms/"/>
+    <ds:schemaRef ds:uri="bd9f7b81-fce9-4f5e-8ca2-b74234fba64d"/>
+    <ds:schemaRef ds:uri="201905e2-e348-4925-9bf9-859ff66d3731"/>
+    <ds:schemaRef ds:uri="http://schemas.microsoft.com/office/2006/documentManagement/types"/>
+    <ds:schemaRef ds:uri="http://www.w3.org/XML/1998/namespace"/>
+    <ds:schemaRef ds:uri="http://schemas.microsoft.com/office/infopath/2007/PartnerControls"/>
+    <ds:schemaRef ds:uri="http://schemas.openxmlformats.org/package/2006/metadata/core-properties"/>
+    <ds:schemaRef ds:uri="http://purl.org/dc/dcmitype/"/>
+    <ds:schemaRef ds:uri="http://purl.org/dc/elements/1.1/"/>
+  </ds:schemaRefs>
+</ds:datastoreItem>
+</file>
+
+<file path=customXml/itemProps2.xml><?xml version="1.0" encoding="utf-8"?>
 <ds:datastoreItem xmlns:ds="http://schemas.openxmlformats.org/officeDocument/2006/customXml" ds:itemID="{31480688-5C47-4973-B323-709A11A8DD25}">
   <ds:schemaRefs>
     <ds:schemaRef ds:uri="http://schemas.microsoft.com/office/2006/metadata/contentType"/>
@@ -31527,23 +31544,6 @@
 </ds:datastoreItem>
 </file>
 
-<file path=customXml/itemProps2.xml><?xml version="1.0" encoding="utf-8"?>
-<ds:datastoreItem xmlns:ds="http://schemas.openxmlformats.org/officeDocument/2006/customXml" ds:itemID="{43393610-D53F-4A84-8D42-34EBCB008255}">
-  <ds:schemaRefs>
-    <ds:schemaRef ds:uri="http://schemas.microsoft.com/office/2006/metadata/properties"/>
-    <ds:schemaRef ds:uri="http://purl.org/dc/terms/"/>
-    <ds:schemaRef ds:uri="bd9f7b81-fce9-4f5e-8ca2-b74234fba64d"/>
-    <ds:schemaRef ds:uri="201905e2-e348-4925-9bf9-859ff66d3731"/>
-    <ds:schemaRef ds:uri="http://schemas.microsoft.com/office/2006/documentManagement/types"/>
-    <ds:schemaRef ds:uri="http://www.w3.org/XML/1998/namespace"/>
-    <ds:schemaRef ds:uri="http://schemas.microsoft.com/office/infopath/2007/PartnerControls"/>
-    <ds:schemaRef ds:uri="http://schemas.openxmlformats.org/package/2006/metadata/core-properties"/>
-    <ds:schemaRef ds:uri="http://purl.org/dc/dcmitype/"/>
-    <ds:schemaRef ds:uri="http://purl.org/dc/elements/1.1/"/>
-  </ds:schemaRefs>
-</ds:datastoreItem>
-</file>
-
 <file path=customXml/itemProps3.xml><?xml version="1.0" encoding="utf-8"?>
 <ds:datastoreItem xmlns:ds="http://schemas.openxmlformats.org/officeDocument/2006/customXml" ds:itemID="{25B3E867-B45B-49B9-9F16-ACF80FBBDAA6}">
   <ds:schemaRefs>

--- a/React/Week1 React/Presentations/2 Props.pptx
+++ b/React/Week1 React/Presentations/2 Props.pptx
@@ -33,27 +33,20 @@
   <p:notesSz cx="6645275" cy="9775825"/>
   <p:embeddedFontLst>
     <p:embeddedFont>
-      <p:font typeface="Consolas" panose="020B0609020204030204" pitchFamily="49" charset="0"/>
+      <p:font typeface="Montserrat" panose="00000500000000000000" pitchFamily="2" charset="0"/>
       <p:regular r:id="rId24"/>
       <p:bold r:id="rId25"/>
       <p:italic r:id="rId26"/>
       <p:boldItalic r:id="rId27"/>
     </p:embeddedFont>
     <p:embeddedFont>
-      <p:font typeface="Montserrat" panose="00000500000000000000" pitchFamily="2" charset="0"/>
-      <p:regular r:id="rId28"/>
-      <p:bold r:id="rId29"/>
-      <p:italic r:id="rId30"/>
-      <p:boldItalic r:id="rId31"/>
-    </p:embeddedFont>
-    <p:embeddedFont>
       <p:font typeface="Montserrat Black" panose="00000A00000000000000" pitchFamily="2" charset="0"/>
-      <p:bold r:id="rId32"/>
-      <p:boldItalic r:id="rId33"/>
+      <p:bold r:id="rId28"/>
+      <p:boldItalic r:id="rId29"/>
     </p:embeddedFont>
   </p:embeddedFontLst>
   <p:custDataLst>
-    <p:tags r:id="rId34"/>
+    <p:tags r:id="rId30"/>
   </p:custDataLst>
   <p:defaultTextStyle>
     <a:defPPr>
@@ -273,7 +266,7 @@
           <a:p>
             <a:fld id="{86D088FE-3E68-47FE-8BA4-634CD34BABBC}" type="datetimeFigureOut">
               <a:rPr lang="en-GB" smtClean="0"/>
-              <a:t>19/11/2024</a:t>
+              <a:t>20/11/2024</a:t>
             </a:fld>
             <a:endParaRPr lang="en-GB"/>
           </a:p>
@@ -443,7 +436,7 @@
             <a:fld id="{1D6B66C6-1E92-0F4E-A300-9D4ED1F0C23F}" type="datetimeFigureOut">
               <a:rPr lang="en-GB" smtClean="0"/>
               <a:pPr/>
-              <a:t>19/11/2024</a:t>
+              <a:t>20/11/2024</a:t>
             </a:fld>
             <a:endParaRPr lang="en-GB"/>
           </a:p>
@@ -1295,42 +1288,6 @@
           </a:p>
           <a:p>
             <a:endParaRPr lang="en-GB" dirty="0"/>
-          </a:p>
-          <a:p>
-            <a:pPr marL="0" marR="0" lvl="0" indent="0" algn="l" defTabSz="914400" rtl="0" eaLnBrk="1" fontAlgn="auto" latinLnBrk="0" hangingPunct="1">
-              <a:lnSpc>
-                <a:spcPct val="100000"/>
-              </a:lnSpc>
-              <a:spcBef>
-                <a:spcPts val="0"/>
-              </a:spcBef>
-              <a:spcAft>
-                <a:spcPts val="0"/>
-              </a:spcAft>
-              <a:buClrTx/>
-              <a:buSzTx/>
-              <a:buFontTx/>
-              <a:buNone/>
-              <a:tabLst/>
-              <a:defRPr/>
-            </a:pPr>
-            <a:r>
-              <a:rPr lang="en-GB" b="0" dirty="0">
-                <a:solidFill>
-                  <a:srgbClr val="CE9178"/>
-                </a:solidFill>
-                <a:effectLst/>
-                <a:latin typeface="Consolas" panose="020B0609020204030204" pitchFamily="49" charset="0"/>
-              </a:rPr>
-              <a:t>"https://pedodoctor.com/custom/images/dr-jeffries.jpg“ – Image source</a:t>
-            </a:r>
-            <a:endParaRPr lang="en-GB" b="0" dirty="0">
-              <a:solidFill>
-                <a:srgbClr val="D4D4D4"/>
-              </a:solidFill>
-              <a:effectLst/>
-              <a:latin typeface="Consolas" panose="020B0609020204030204" pitchFamily="49" charset="0"/>
-            </a:endParaRPr>
           </a:p>
           <a:p>
             <a:r>
@@ -31289,6 +31246,15 @@
 </file>
 
 <file path=customXml/item2.xml><?xml version="1.0" encoding="utf-8"?>
+<?mso-contentType ?>
+<FormTemplates xmlns="http://schemas.microsoft.com/sharepoint/v3/contenttype/forms">
+  <Display>DocumentLibraryForm</Display>
+  <Edit>DocumentLibraryForm</Edit>
+  <New>DocumentLibraryForm</New>
+</FormTemplates>
+</file>
+
+<file path=customXml/item3.xml><?xml version="1.0" encoding="utf-8"?>
 <ct:contentTypeSchema xmlns:ct="http://schemas.microsoft.com/office/2006/metadata/contentType" xmlns:ma="http://schemas.microsoft.com/office/2006/metadata/properties/metaAttributes" ct:_="" ma:_="" ma:contentTypeName="Document" ma:contentTypeID="0x010100F3467C10D74B2B4AB009A8AE58957B70" ma:contentTypeVersion="11" ma:contentTypeDescription="Create a new document." ma:contentTypeScope="" ma:versionID="5a954220bcc81bde48470b97c8d8107f">
   <xsd:schema xmlns:xsd="http://www.w3.org/2001/XMLSchema" xmlns:xs="http://www.w3.org/2001/XMLSchema" xmlns:p="http://schemas.microsoft.com/office/2006/metadata/properties" xmlns:ns2="201905e2-e348-4925-9bf9-859ff66d3731" xmlns:ns3="bd9f7b81-fce9-4f5e-8ca2-b74234fba64d" targetNamespace="http://schemas.microsoft.com/office/2006/metadata/properties" ma:root="true" ma:fieldsID="426082142d469ee0a66d8c0ced7a111b" ns2:_="" ns3:_="">
     <xsd:import namespace="201905e2-e348-4925-9bf9-859ff66d3731"/>
@@ -31499,15 +31465,6 @@
 </ct:contentTypeSchema>
 </file>
 
-<file path=customXml/item3.xml><?xml version="1.0" encoding="utf-8"?>
-<?mso-contentType ?>
-<FormTemplates xmlns="http://schemas.microsoft.com/sharepoint/v3/contenttype/forms">
-  <Display>DocumentLibraryForm</Display>
-  <Edit>DocumentLibraryForm</Edit>
-  <New>DocumentLibraryForm</New>
-</FormTemplates>
-</file>
-
 <file path=customXml/itemProps1.xml><?xml version="1.0" encoding="utf-8"?>
 <ds:datastoreItem xmlns:ds="http://schemas.openxmlformats.org/officeDocument/2006/customXml" ds:itemID="{43393610-D53F-4A84-8D42-34EBCB008255}">
   <ds:schemaRefs>
@@ -31526,6 +31483,14 @@
 </file>
 
 <file path=customXml/itemProps2.xml><?xml version="1.0" encoding="utf-8"?>
+<ds:datastoreItem xmlns:ds="http://schemas.openxmlformats.org/officeDocument/2006/customXml" ds:itemID="{25B3E867-B45B-49B9-9F16-ACF80FBBDAA6}">
+  <ds:schemaRefs>
+    <ds:schemaRef ds:uri="http://schemas.microsoft.com/sharepoint/v3/contenttype/forms"/>
+  </ds:schemaRefs>
+</ds:datastoreItem>
+</file>
+
+<file path=customXml/itemProps3.xml><?xml version="1.0" encoding="utf-8"?>
 <ds:datastoreItem xmlns:ds="http://schemas.openxmlformats.org/officeDocument/2006/customXml" ds:itemID="{31480688-5C47-4973-B323-709A11A8DD25}">
   <ds:schemaRefs>
     <ds:schemaRef ds:uri="http://schemas.microsoft.com/office/2006/metadata/contentType"/>
@@ -31542,12 +31507,4 @@
     <ds:schemaRef ds:uri="http://schemas.microsoft.com/internal/obd"/>
   </ds:schemaRefs>
 </ds:datastoreItem>
-</file>
-
-<file path=customXml/itemProps3.xml><?xml version="1.0" encoding="utf-8"?>
-<ds:datastoreItem xmlns:ds="http://schemas.openxmlformats.org/officeDocument/2006/customXml" ds:itemID="{25B3E867-B45B-49B9-9F16-ACF80FBBDAA6}">
-  <ds:schemaRefs>
-    <ds:schemaRef ds:uri="http://schemas.microsoft.com/sharepoint/v3/contenttype/forms"/>
-  </ds:schemaRefs>
-</ds:datastoreItem>
 </file>